--- a/발표자료/2주차/자구설_1주차_V0.05.pptx
+++ b/발표자료/2주차/자구설_1주차_V0.05.pptx
@@ -4109,16 +4109,6 @@
             </a:r>
           </a:p>
           <a:p>
-            <a:r>
-              <a:rPr lang="ko-KR" altLang="en-US" dirty="0"/>
-              <a:t>버스 노선이 부족한 장소가 따로 있지 않을까</a:t>
-            </a:r>
-            <a:r>
-              <a:rPr lang="en-US" altLang="ko-KR" dirty="0"/>
-              <a:t>?</a:t>
-            </a:r>
-          </a:p>
-          <a:p>
             <a:endParaRPr lang="ko-KR" altLang="en-US" dirty="0"/>
           </a:p>
         </p:txBody>
